--- a/admin/tutorial_intro_slides/tutorial_intro_slides.pptx
+++ b/admin/tutorial_intro_slides/tutorial_intro_slides.pptx
@@ -5,13 +5,14 @@
     <p:sldMasterId id="2147483648" r:id="rId1"/>
   </p:sldMasterIdLst>
   <p:notesMasterIdLst>
-    <p:notesMasterId r:id="rId6"/>
+    <p:notesMasterId r:id="rId7"/>
   </p:notesMasterIdLst>
   <p:sldIdLst>
     <p:sldId id="256" r:id="rId2"/>
     <p:sldId id="259" r:id="rId3"/>
     <p:sldId id="264" r:id="rId4"/>
     <p:sldId id="265" r:id="rId5"/>
+    <p:sldId id="266" r:id="rId6"/>
   </p:sldIdLst>
   <p:sldSz cx="13004800" cy="9753600"/>
   <p:notesSz cx="6858000" cy="9144000"/>
@@ -1991,7 +1992,7 @@
           </a:ln>
           <a:extLst>
             <a:ext uri="{C572A759-6A51-4108-AA02-DFA0A04FC94B}">
-              <ma14:wrappingTextBoxFlag xmlns="" xmlns:m="http://schemas.openxmlformats.org/officeDocument/2006/math" xmlns:a14="http://schemas.microsoft.com/office/drawing/2010/main" xmlns:ma14="http://schemas.microsoft.com/office/mac/drawingml/2011/main" val="1"/>
+              <ma14:wrappingTextBoxFlag xmlns:ma14="http://schemas.microsoft.com/office/mac/drawingml/2011/main" xmlns:a14="http://schemas.microsoft.com/office/drawing/2010/main" xmlns:m="http://schemas.openxmlformats.org/officeDocument/2006/math" xmlns="" val="1"/>
             </a:ext>
           </a:extLst>
         </p:spPr>
@@ -2030,7 +2031,7 @@
           </a:ln>
           <a:extLst>
             <a:ext uri="{C572A759-6A51-4108-AA02-DFA0A04FC94B}">
-              <ma14:wrappingTextBoxFlag xmlns="" xmlns:m="http://schemas.openxmlformats.org/officeDocument/2006/math" xmlns:a14="http://schemas.microsoft.com/office/drawing/2010/main" xmlns:ma14="http://schemas.microsoft.com/office/mac/drawingml/2011/main" val="1"/>
+              <ma14:wrappingTextBoxFlag xmlns:ma14="http://schemas.microsoft.com/office/mac/drawingml/2011/main" xmlns:a14="http://schemas.microsoft.com/office/drawing/2010/main" xmlns:m="http://schemas.openxmlformats.org/officeDocument/2006/math" xmlns="" val="1"/>
             </a:ext>
           </a:extLst>
         </p:spPr>
@@ -3507,6 +3508,136 @@
 </p:sld>
 </file>
 
+<file path=ppt/slides/slide5.xml><?xml version="1.0" encoding="utf-8"?>
+<p:sld xmlns:a="http://schemas.openxmlformats.org/drawingml/2006/main" xmlns:r="http://schemas.openxmlformats.org/officeDocument/2006/relationships" xmlns:p="http://schemas.openxmlformats.org/presentationml/2006/main">
+  <p:cSld>
+    <p:spTree>
+      <p:nvGrpSpPr>
+        <p:cNvPr id="1" name=""/>
+        <p:cNvGrpSpPr/>
+        <p:nvPr/>
+      </p:nvGrpSpPr>
+      <p:grpSpPr>
+        <a:xfrm>
+          <a:off x="0" y="0"/>
+          <a:ext cx="0" cy="0"/>
+          <a:chOff x="0" y="0"/>
+          <a:chExt cx="0" cy="0"/>
+        </a:xfrm>
+      </p:grpSpPr>
+      <p:sp>
+        <p:nvSpPr>
+          <p:cNvPr id="152" name="Logistics"/>
+          <p:cNvSpPr txBox="1">
+            <a:spLocks noGrp="1"/>
+          </p:cNvSpPr>
+          <p:nvPr>
+            <p:ph type="title"/>
+          </p:nvPr>
+        </p:nvSpPr>
+        <p:spPr>
+          <a:prstGeom prst="rect">
+            <a:avLst/>
+          </a:prstGeom>
+        </p:spPr>
+        <p:txBody>
+          <a:bodyPr/>
+          <a:lstStyle/>
+          <a:p>
+            <a:r>
+              <a:rPr lang="en-US" dirty="0"/>
+              <a:t>Slack Setup</a:t>
+            </a:r>
+            <a:endParaRPr dirty="0"/>
+          </a:p>
+        </p:txBody>
+      </p:sp>
+      <p:sp>
+        <p:nvSpPr>
+          <p:cNvPr id="153" name="Pull the latest Hackathon GIT repo before starting.…"/>
+          <p:cNvSpPr txBox="1">
+            <a:spLocks noGrp="1"/>
+          </p:cNvSpPr>
+          <p:nvPr>
+            <p:ph type="body" idx="1"/>
+          </p:nvPr>
+        </p:nvSpPr>
+        <p:spPr>
+          <a:xfrm>
+            <a:off x="352894" y="2605790"/>
+            <a:ext cx="12283814" cy="6286500"/>
+          </a:xfrm>
+          <a:prstGeom prst="rect">
+            <a:avLst/>
+          </a:prstGeom>
+        </p:spPr>
+        <p:txBody>
+          <a:bodyPr/>
+          <a:lstStyle/>
+          <a:p>
+            <a:r>
+              <a:rPr lang="en-US" dirty="0"/>
+              <a:t>Slack Group Sign-up: https://</a:t>
+            </a:r>
+            <a:r>
+              <a:rPr lang="en-US" dirty="0" err="1"/>
+              <a:t>tinyurl.com</a:t>
+            </a:r>
+            <a:r>
+              <a:rPr lang="en-US" dirty="0"/>
+              <a:t>/</a:t>
+            </a:r>
+            <a:r>
+              <a:rPr lang="en-US" dirty="0" err="1"/>
+              <a:t>socalrug</a:t>
+            </a:r>
+            <a:r>
+              <a:rPr lang="en-US" dirty="0"/>
+              <a:t>-slack-signup</a:t>
+            </a:r>
+          </a:p>
+          <a:p>
+            <a:r>
+              <a:rPr lang="en-US" dirty="0"/>
+              <a:t>Slack channel: https://</a:t>
+            </a:r>
+            <a:r>
+              <a:rPr lang="en-US" dirty="0" err="1"/>
+              <a:t>socalrug.slack.com</a:t>
+            </a:r>
+            <a:endParaRPr lang="en-US" dirty="0"/>
+          </a:p>
+          <a:p>
+            <a:r>
+              <a:rPr lang="en-US" dirty="0"/>
+              <a:t>Join: hackathon-2022-04</a:t>
+            </a:r>
+          </a:p>
+          <a:p>
+            <a:pPr marL="351155" indent="-351155" defTabSz="461518">
+              <a:spcBef>
+                <a:spcPts val="3300"/>
+              </a:spcBef>
+              <a:defRPr sz="2528"/>
+            </a:pPr>
+            <a:endParaRPr dirty="0"/>
+          </a:p>
+        </p:txBody>
+      </p:sp>
+    </p:spTree>
+    <p:extLst>
+      <p:ext uri="{BB962C8B-B14F-4D97-AF65-F5344CB8AC3E}">
+        <p14:creationId xmlns:p14="http://schemas.microsoft.com/office/powerpoint/2010/main" val="4255132614"/>
+      </p:ext>
+    </p:extLst>
+  </p:cSld>
+  <p:clrMapOvr>
+    <a:masterClrMapping/>
+  </p:clrMapOvr>
+  <p:transition spd="med"/>
+</p:sld>
+</file>
+
 <file path=ppt/theme/theme1.xml><?xml version="1.0" encoding="utf-8"?>
 <a:theme xmlns:a="http://schemas.openxmlformats.org/drawingml/2006/main" name="White">
   <a:themeElements>
